--- a/Slides/Football 7/Footballl_7_Lecture.pptx
+++ b/Slides/Football 7/Footballl_7_Lecture.pptx
@@ -223,7 +223,7 @@
           <a:p>
             <a:fld id="{C04E5E84-956F-4423-97B3-5936A6D8EEEE}" type="datetimeFigureOut">
               <a:rPr lang="en-US" smtClean="0"/>
-              <a:t>10/28/2019</a:t>
+              <a:t>4/16/2021</a:t>
             </a:fld>
             <a:endParaRPr lang="en-US"/>
           </a:p>
@@ -675,7 +675,7 @@
           <a:p>
             <a:fld id="{3881C039-66A3-4640-815B-3B5A8B7D868D}" type="datetimeFigureOut">
               <a:rPr lang="en-US" smtClean="0"/>
-              <a:t>10/28/2019</a:t>
+              <a:t>4/16/2021</a:t>
             </a:fld>
             <a:endParaRPr lang="en-US"/>
           </a:p>
@@ -973,7 +973,7 @@
           <a:p>
             <a:fld id="{3881C039-66A3-4640-815B-3B5A8B7D868D}" type="datetimeFigureOut">
               <a:rPr lang="en-US" smtClean="0"/>
-              <a:t>10/28/2019</a:t>
+              <a:t>4/16/2021</a:t>
             </a:fld>
             <a:endParaRPr lang="en-US"/>
           </a:p>
@@ -1165,7 +1165,7 @@
           <a:p>
             <a:fld id="{3881C039-66A3-4640-815B-3B5A8B7D868D}" type="datetimeFigureOut">
               <a:rPr lang="en-US" smtClean="0"/>
-              <a:t>10/28/2019</a:t>
+              <a:t>4/16/2021</a:t>
             </a:fld>
             <a:endParaRPr lang="en-US"/>
           </a:p>
@@ -1426,7 +1426,7 @@
           <a:p>
             <a:fld id="{3881C039-66A3-4640-815B-3B5A8B7D868D}" type="datetimeFigureOut">
               <a:rPr lang="en-US" smtClean="0"/>
-              <a:t>10/28/2019</a:t>
+              <a:t>4/16/2021</a:t>
             </a:fld>
             <a:endParaRPr lang="en-US"/>
           </a:p>
@@ -1850,7 +1850,7 @@
           <a:p>
             <a:fld id="{3881C039-66A3-4640-815B-3B5A8B7D868D}" type="datetimeFigureOut">
               <a:rPr lang="en-US" smtClean="0"/>
-              <a:t>10/28/2019</a:t>
+              <a:t>4/16/2021</a:t>
             </a:fld>
             <a:endParaRPr lang="en-US"/>
           </a:p>
@@ -2387,7 +2387,7 @@
           <a:p>
             <a:fld id="{3881C039-66A3-4640-815B-3B5A8B7D868D}" type="datetimeFigureOut">
               <a:rPr lang="en-US" smtClean="0"/>
-              <a:t>10/28/2019</a:t>
+              <a:t>4/16/2021</a:t>
             </a:fld>
             <a:endParaRPr lang="en-US"/>
           </a:p>
@@ -3251,7 +3251,7 @@
           <a:p>
             <a:fld id="{3881C039-66A3-4640-815B-3B5A8B7D868D}" type="datetimeFigureOut">
               <a:rPr lang="en-US" smtClean="0"/>
-              <a:t>10/28/2019</a:t>
+              <a:t>4/16/2021</a:t>
             </a:fld>
             <a:endParaRPr lang="en-US"/>
           </a:p>
@@ -3421,7 +3421,7 @@
           <a:p>
             <a:fld id="{3881C039-66A3-4640-815B-3B5A8B7D868D}" type="datetimeFigureOut">
               <a:rPr lang="en-US" smtClean="0"/>
-              <a:t>10/28/2019</a:t>
+              <a:t>4/16/2021</a:t>
             </a:fld>
             <a:endParaRPr lang="en-US"/>
           </a:p>
@@ -3605,7 +3605,7 @@
           <a:p>
             <a:fld id="{3881C039-66A3-4640-815B-3B5A8B7D868D}" type="datetimeFigureOut">
               <a:rPr lang="en-US" smtClean="0"/>
-              <a:t>10/28/2019</a:t>
+              <a:t>4/16/2021</a:t>
             </a:fld>
             <a:endParaRPr lang="en-US"/>
           </a:p>
@@ -3775,7 +3775,7 @@
           <a:p>
             <a:fld id="{3881C039-66A3-4640-815B-3B5A8B7D868D}" type="datetimeFigureOut">
               <a:rPr lang="en-US" smtClean="0"/>
-              <a:t>10/28/2019</a:t>
+              <a:t>4/16/2021</a:t>
             </a:fld>
             <a:endParaRPr lang="en-US"/>
           </a:p>
@@ -4019,7 +4019,7 @@
           <a:p>
             <a:fld id="{3881C039-66A3-4640-815B-3B5A8B7D868D}" type="datetimeFigureOut">
               <a:rPr lang="en-US" smtClean="0"/>
-              <a:t>10/28/2019</a:t>
+              <a:t>4/16/2021</a:t>
             </a:fld>
             <a:endParaRPr lang="en-US"/>
           </a:p>
@@ -4255,7 +4255,7 @@
           <a:p>
             <a:fld id="{3881C039-66A3-4640-815B-3B5A8B7D868D}" type="datetimeFigureOut">
               <a:rPr lang="en-US" smtClean="0"/>
-              <a:t>10/28/2019</a:t>
+              <a:t>4/16/2021</a:t>
             </a:fld>
             <a:endParaRPr lang="en-US"/>
           </a:p>
@@ -4721,7 +4721,7 @@
           <a:p>
             <a:fld id="{3881C039-66A3-4640-815B-3B5A8B7D868D}" type="datetimeFigureOut">
               <a:rPr lang="en-US" smtClean="0"/>
-              <a:t>10/28/2019</a:t>
+              <a:t>4/16/2021</a:t>
             </a:fld>
             <a:endParaRPr lang="en-US"/>
           </a:p>
@@ -4839,7 +4839,7 @@
           <a:p>
             <a:fld id="{3881C039-66A3-4640-815B-3B5A8B7D868D}" type="datetimeFigureOut">
               <a:rPr lang="en-US" smtClean="0"/>
-              <a:t>10/28/2019</a:t>
+              <a:t>4/16/2021</a:t>
             </a:fld>
             <a:endParaRPr lang="en-US"/>
           </a:p>
@@ -4934,7 +4934,7 @@
           <a:p>
             <a:fld id="{3881C039-66A3-4640-815B-3B5A8B7D868D}" type="datetimeFigureOut">
               <a:rPr lang="en-US" smtClean="0"/>
-              <a:t>10/28/2019</a:t>
+              <a:t>4/16/2021</a:t>
             </a:fld>
             <a:endParaRPr lang="en-US"/>
           </a:p>
@@ -5189,7 +5189,7 @@
           <a:p>
             <a:fld id="{3881C039-66A3-4640-815B-3B5A8B7D868D}" type="datetimeFigureOut">
               <a:rPr lang="en-US" smtClean="0"/>
-              <a:t>10/28/2019</a:t>
+              <a:t>4/16/2021</a:t>
             </a:fld>
             <a:endParaRPr lang="en-US"/>
           </a:p>
@@ -5489,7 +5489,7 @@
           <a:p>
             <a:fld id="{3881C039-66A3-4640-815B-3B5A8B7D868D}" type="datetimeFigureOut">
               <a:rPr lang="en-US" smtClean="0"/>
-              <a:t>10/28/2019</a:t>
+              <a:t>4/16/2021</a:t>
             </a:fld>
             <a:endParaRPr lang="en-US"/>
           </a:p>
@@ -5723,7 +5723,7 @@
           <a:p>
             <a:fld id="{3881C039-66A3-4640-815B-3B5A8B7D868D}" type="datetimeFigureOut">
               <a:rPr lang="en-US" smtClean="0"/>
-              <a:t>10/28/2019</a:t>
+              <a:t>4/16/2021</a:t>
             </a:fld>
             <a:endParaRPr lang="en-US"/>
           </a:p>
@@ -6546,8 +6546,31 @@
                 <a:effectLst/>
                 <a:latin typeface="Selawik Semibold" panose="020B0702040204020203" pitchFamily="34" charset="0"/>
               </a:rPr>
-              <a:t>Produced by Dr. Mario | UNC STOR 390</a:t>
-            </a:r>
+              <a:t>Produced by Dr. Mario | UNC </a:t>
+            </a:r>
+            <a:r>
+              <a:rPr lang="en-US">
+                <a:ln>
+                  <a:noFill/>
+                </a:ln>
+                <a:solidFill>
+                  <a:srgbClr val="D34817"/>
+                </a:solidFill>
+                <a:effectLst/>
+                <a:latin typeface="Selawik Semibold" panose="020B0702040204020203" pitchFamily="34" charset="0"/>
+              </a:rPr>
+              <a:t>STOR 538</a:t>
+            </a:r>
+            <a:endParaRPr lang="en-US" dirty="0">
+              <a:ln>
+                <a:noFill/>
+              </a:ln>
+              <a:solidFill>
+                <a:srgbClr val="D34817"/>
+              </a:solidFill>
+              <a:effectLst/>
+              <a:latin typeface="Selawik Semibold" panose="020B0702040204020203" pitchFamily="34" charset="0"/>
+            </a:endParaRPr>
           </a:p>
         </p:txBody>
       </p:sp>
@@ -10340,277 +10363,6 @@
           </a:prstGeom>
         </p:spPr>
       </p:pic>
-      <p:sp>
-        <p:nvSpPr>
-          <p:cNvPr id="12" name="Content Placeholder 8">
-            <a:extLst>
-              <a:ext uri="{FF2B5EF4-FFF2-40B4-BE49-F238E27FC236}">
-                <a16:creationId xmlns:a16="http://schemas.microsoft.com/office/drawing/2014/main" id="{24487C1C-8E4E-41CE-B141-F1494BCF567E}"/>
-              </a:ext>
-            </a:extLst>
-          </p:cNvPr>
-          <p:cNvSpPr txBox="1">
-            <a:spLocks/>
-          </p:cNvSpPr>
-          <p:nvPr/>
-        </p:nvSpPr>
-        <p:spPr>
-          <a:xfrm>
-            <a:off x="5375109" y="4797812"/>
-            <a:ext cx="6639939" cy="3247008"/>
-          </a:xfrm>
-          <a:prstGeom prst="rect">
-            <a:avLst/>
-          </a:prstGeom>
-        </p:spPr>
-        <p:txBody>
-          <a:bodyPr vert="horz" lIns="91440" tIns="45720" rIns="91440" bIns="45720" rtlCol="0">
-            <a:normAutofit/>
-          </a:bodyPr>
-          <a:lstStyle>
-            <a:lvl1pPr marL="0" indent="0" algn="ctr" defTabSz="914400" rtl="0" eaLnBrk="1" latinLnBrk="0" hangingPunct="1">
-              <a:lnSpc>
-                <a:spcPct val="90000"/>
-              </a:lnSpc>
-              <a:spcBef>
-                <a:spcPts val="1000"/>
-              </a:spcBef>
-              <a:buFont typeface="Arial" panose="020B0604020202020204" pitchFamily="34" charset="0"/>
-              <a:buNone/>
-              <a:defRPr sz="2400" kern="1200">
-                <a:solidFill>
-                  <a:schemeClr val="tx1"/>
-                </a:solidFill>
-                <a:latin typeface="+mn-lt"/>
-                <a:ea typeface="+mn-ea"/>
-                <a:cs typeface="+mn-cs"/>
-              </a:defRPr>
-            </a:lvl1pPr>
-            <a:lvl2pPr marL="457200" indent="0" algn="ctr" defTabSz="914400" rtl="0" eaLnBrk="1" latinLnBrk="0" hangingPunct="1">
-              <a:lnSpc>
-                <a:spcPct val="90000"/>
-              </a:lnSpc>
-              <a:spcBef>
-                <a:spcPts val="500"/>
-              </a:spcBef>
-              <a:buFont typeface="Arial" panose="020B0604020202020204" pitchFamily="34" charset="0"/>
-              <a:buNone/>
-              <a:defRPr sz="2000" kern="1200">
-                <a:solidFill>
-                  <a:schemeClr val="tx1"/>
-                </a:solidFill>
-                <a:latin typeface="+mn-lt"/>
-                <a:ea typeface="+mn-ea"/>
-                <a:cs typeface="+mn-cs"/>
-              </a:defRPr>
-            </a:lvl2pPr>
-            <a:lvl3pPr marL="914400" indent="0" algn="ctr" defTabSz="914400" rtl="0" eaLnBrk="1" latinLnBrk="0" hangingPunct="1">
-              <a:lnSpc>
-                <a:spcPct val="90000"/>
-              </a:lnSpc>
-              <a:spcBef>
-                <a:spcPts val="500"/>
-              </a:spcBef>
-              <a:buFont typeface="Arial" panose="020B0604020202020204" pitchFamily="34" charset="0"/>
-              <a:buNone/>
-              <a:defRPr sz="1800" kern="1200">
-                <a:solidFill>
-                  <a:schemeClr val="tx1"/>
-                </a:solidFill>
-                <a:latin typeface="+mn-lt"/>
-                <a:ea typeface="+mn-ea"/>
-                <a:cs typeface="+mn-cs"/>
-              </a:defRPr>
-            </a:lvl3pPr>
-            <a:lvl4pPr marL="1371600" indent="0" algn="ctr" defTabSz="914400" rtl="0" eaLnBrk="1" latinLnBrk="0" hangingPunct="1">
-              <a:lnSpc>
-                <a:spcPct val="90000"/>
-              </a:lnSpc>
-              <a:spcBef>
-                <a:spcPts val="500"/>
-              </a:spcBef>
-              <a:buFont typeface="Arial" panose="020B0604020202020204" pitchFamily="34" charset="0"/>
-              <a:buNone/>
-              <a:defRPr sz="1600" kern="1200">
-                <a:solidFill>
-                  <a:schemeClr val="tx1"/>
-                </a:solidFill>
-                <a:latin typeface="+mn-lt"/>
-                <a:ea typeface="+mn-ea"/>
-                <a:cs typeface="+mn-cs"/>
-              </a:defRPr>
-            </a:lvl4pPr>
-            <a:lvl5pPr marL="1828800" indent="0" algn="ctr" defTabSz="914400" rtl="0" eaLnBrk="1" latinLnBrk="0" hangingPunct="1">
-              <a:lnSpc>
-                <a:spcPct val="90000"/>
-              </a:lnSpc>
-              <a:spcBef>
-                <a:spcPts val="500"/>
-              </a:spcBef>
-              <a:buFont typeface="Arial" panose="020B0604020202020204" pitchFamily="34" charset="0"/>
-              <a:buNone/>
-              <a:defRPr sz="1600" kern="1200">
-                <a:solidFill>
-                  <a:schemeClr val="tx1"/>
-                </a:solidFill>
-                <a:latin typeface="+mn-lt"/>
-                <a:ea typeface="+mn-ea"/>
-                <a:cs typeface="+mn-cs"/>
-              </a:defRPr>
-            </a:lvl5pPr>
-            <a:lvl6pPr marL="2286000" indent="0" algn="ctr" defTabSz="914400" rtl="0" eaLnBrk="1" latinLnBrk="0" hangingPunct="1">
-              <a:lnSpc>
-                <a:spcPct val="90000"/>
-              </a:lnSpc>
-              <a:spcBef>
-                <a:spcPts val="500"/>
-              </a:spcBef>
-              <a:buFont typeface="Arial" panose="020B0604020202020204" pitchFamily="34" charset="0"/>
-              <a:buNone/>
-              <a:defRPr sz="1600" kern="1200">
-                <a:solidFill>
-                  <a:schemeClr val="tx1"/>
-                </a:solidFill>
-                <a:latin typeface="+mn-lt"/>
-                <a:ea typeface="+mn-ea"/>
-                <a:cs typeface="+mn-cs"/>
-              </a:defRPr>
-            </a:lvl6pPr>
-            <a:lvl7pPr marL="2743200" indent="0" algn="ctr" defTabSz="914400" rtl="0" eaLnBrk="1" latinLnBrk="0" hangingPunct="1">
-              <a:lnSpc>
-                <a:spcPct val="90000"/>
-              </a:lnSpc>
-              <a:spcBef>
-                <a:spcPts val="500"/>
-              </a:spcBef>
-              <a:buFont typeface="Arial" panose="020B0604020202020204" pitchFamily="34" charset="0"/>
-              <a:buNone/>
-              <a:defRPr sz="1600" kern="1200">
-                <a:solidFill>
-                  <a:schemeClr val="tx1"/>
-                </a:solidFill>
-                <a:latin typeface="+mn-lt"/>
-                <a:ea typeface="+mn-ea"/>
-                <a:cs typeface="+mn-cs"/>
-              </a:defRPr>
-            </a:lvl7pPr>
-            <a:lvl8pPr marL="3200400" indent="0" algn="ctr" defTabSz="914400" rtl="0" eaLnBrk="1" latinLnBrk="0" hangingPunct="1">
-              <a:lnSpc>
-                <a:spcPct val="90000"/>
-              </a:lnSpc>
-              <a:spcBef>
-                <a:spcPts val="500"/>
-              </a:spcBef>
-              <a:buFont typeface="Arial" panose="020B0604020202020204" pitchFamily="34" charset="0"/>
-              <a:buNone/>
-              <a:defRPr sz="1600" kern="1200">
-                <a:solidFill>
-                  <a:schemeClr val="tx1"/>
-                </a:solidFill>
-                <a:latin typeface="+mn-lt"/>
-                <a:ea typeface="+mn-ea"/>
-                <a:cs typeface="+mn-cs"/>
-              </a:defRPr>
-            </a:lvl8pPr>
-            <a:lvl9pPr marL="3657600" indent="0" algn="ctr" defTabSz="914400" rtl="0" eaLnBrk="1" latinLnBrk="0" hangingPunct="1">
-              <a:lnSpc>
-                <a:spcPct val="90000"/>
-              </a:lnSpc>
-              <a:spcBef>
-                <a:spcPts val="500"/>
-              </a:spcBef>
-              <a:buFont typeface="Arial" panose="020B0604020202020204" pitchFamily="34" charset="0"/>
-              <a:buNone/>
-              <a:defRPr sz="1600" kern="1200">
-                <a:solidFill>
-                  <a:schemeClr val="tx1"/>
-                </a:solidFill>
-                <a:latin typeface="+mn-lt"/>
-                <a:ea typeface="+mn-ea"/>
-                <a:cs typeface="+mn-cs"/>
-              </a:defRPr>
-            </a:lvl9pPr>
-          </a:lstStyle>
-          <a:p>
-            <a:pPr algn="r"/>
-            <a:r>
-              <a:rPr lang="en-US" sz="2800" dirty="0">
-                <a:solidFill>
-                  <a:schemeClr val="bg2">
-                    <a:lumMod val="10000"/>
-                    <a:lumOff val="90000"/>
-                  </a:schemeClr>
-                </a:solidFill>
-                <a:latin typeface="Selawik Semibold" panose="020B0702040204020203" pitchFamily="34" charset="0"/>
-              </a:rPr>
-              <a:t>If you’re not first, be last.</a:t>
-            </a:r>
-          </a:p>
-          <a:p>
-            <a:pPr algn="r"/>
-            <a:endParaRPr lang="en-US" sz="2800" dirty="0">
-              <a:solidFill>
-                <a:schemeClr val="bg2">
-                  <a:lumMod val="10000"/>
-                  <a:lumOff val="90000"/>
-                </a:schemeClr>
-              </a:solidFill>
-              <a:latin typeface="Selawik Semibold" panose="020B0702040204020203" pitchFamily="34" charset="0"/>
-            </a:endParaRPr>
-          </a:p>
-          <a:p>
-            <a:pPr algn="r"/>
-            <a:r>
-              <a:rPr lang="en-US" sz="2800" dirty="0">
-                <a:solidFill>
-                  <a:schemeClr val="bg2">
-                    <a:lumMod val="10000"/>
-                    <a:lumOff val="90000"/>
-                  </a:schemeClr>
-                </a:solidFill>
-                <a:latin typeface="Selawik Semibold" panose="020B0702040204020203" pitchFamily="34" charset="0"/>
-              </a:rPr>
-              <a:t>- Mahatma Mario</a:t>
-            </a:r>
-          </a:p>
-          <a:p>
-            <a:pPr lvl="2" algn="r"/>
-            <a:endParaRPr lang="en-US" sz="2800" dirty="0">
-              <a:solidFill>
-                <a:schemeClr val="bg2">
-                  <a:lumMod val="10000"/>
-                  <a:lumOff val="90000"/>
-                </a:schemeClr>
-              </a:solidFill>
-              <a:latin typeface="Selawik Semibold" panose="020B0702040204020203" pitchFamily="34" charset="0"/>
-            </a:endParaRPr>
-          </a:p>
-          <a:p>
-            <a:pPr lvl="2" algn="r"/>
-            <a:endParaRPr lang="en-US" sz="2800" dirty="0">
-              <a:solidFill>
-                <a:schemeClr val="bg2">
-                  <a:lumMod val="10000"/>
-                  <a:lumOff val="90000"/>
-                </a:schemeClr>
-              </a:solidFill>
-              <a:latin typeface="Selawik Semibold" panose="020B0702040204020203" pitchFamily="34" charset="0"/>
-            </a:endParaRPr>
-          </a:p>
-          <a:p>
-            <a:pPr lvl="2" algn="r"/>
-            <a:endParaRPr lang="en-US" sz="2800" dirty="0">
-              <a:solidFill>
-                <a:schemeClr val="bg2">
-                  <a:lumMod val="10000"/>
-                  <a:lumOff val="90000"/>
-                </a:schemeClr>
-              </a:solidFill>
-              <a:latin typeface="Selawik Semibold" panose="020B0702040204020203" pitchFamily="34" charset="0"/>
-            </a:endParaRPr>
-          </a:p>
-        </p:txBody>
-      </p:sp>
     </p:spTree>
     <p:extLst>
       <p:ext uri="{BB962C8B-B14F-4D97-AF65-F5344CB8AC3E}">
@@ -11043,22 +10795,7 @@
                 </a:solidFill>
                 <a:latin typeface="Selawik Semibold" panose="020B0702040204020203" pitchFamily="34" charset="0"/>
               </a:rPr>
-              <a:t>Life is just a competition </a:t>
-            </a:r>
-          </a:p>
-          <a:p>
-            <a:pPr algn="r"/>
-            <a:r>
-              <a:rPr lang="en-US" sz="2800" dirty="0">
-                <a:solidFill>
-                  <a:schemeClr val="bg2">
-                    <a:lumMod val="10000"/>
-                    <a:lumOff val="90000"/>
-                  </a:schemeClr>
-                </a:solidFill>
-                <a:latin typeface="Selawik Semibold" panose="020B0702040204020203" pitchFamily="34" charset="0"/>
-              </a:rPr>
-              <a:t>to see who dies the slowest.</a:t>
+              <a:t>If you’re not first, be last.</a:t>
             </a:r>
           </a:p>
           <a:p>
@@ -11076,7 +10813,7 @@
           <a:p>
             <a:pPr algn="r"/>
             <a:r>
-              <a:rPr lang="en-US" sz="2800" dirty="0">
+              <a:rPr lang="en-US" sz="2800">
                 <a:solidFill>
                   <a:schemeClr val="bg2">
                     <a:lumMod val="10000"/>
@@ -11085,7 +10822,7 @@
                 </a:solidFill>
                 <a:latin typeface="Selawik Semibold" panose="020B0702040204020203" pitchFamily="34" charset="0"/>
               </a:rPr>
-              <a:t>- Mahatma Beja-Glasser</a:t>
+              <a:t>- Mahatma Mario</a:t>
             </a:r>
           </a:p>
           <a:p>
@@ -13022,8 +12759,8 @@
           </a:prstGeom>
         </p:spPr>
       </p:pic>
-      <mc:AlternateContent xmlns:mc="http://schemas.openxmlformats.org/markup-compatibility/2006">
-        <mc:Choice xmlns:a14="http://schemas.microsoft.com/office/drawing/2010/main" Requires="a14">
+      <mc:AlternateContent xmlns:mc="http://schemas.openxmlformats.org/markup-compatibility/2006" xmlns:a14="http://schemas.microsoft.com/office/drawing/2010/main">
+        <mc:Choice Requires="a14">
           <p:sp>
             <p:nvSpPr>
               <p:cNvPr id="2" name="TextBox 1">
@@ -13052,6 +12789,7 @@
               </a:bodyPr>
               <a:lstStyle/>
               <a:p>
+                <a:pPr/>
                 <a14:m>
                   <m:oMathPara xmlns:m="http://schemas.openxmlformats.org/officeDocument/2006/math">
                     <m:oMathParaPr>
@@ -13137,7 +12875,7 @@
             </p:txBody>
           </p:sp>
         </mc:Choice>
-        <mc:Fallback>
+        <mc:Fallback xmlns="">
           <p:sp>
             <p:nvSpPr>
               <p:cNvPr id="2" name="TextBox 1">
@@ -13182,8 +12920,8 @@
           </p:sp>
         </mc:Fallback>
       </mc:AlternateContent>
-      <mc:AlternateContent xmlns:mc="http://schemas.openxmlformats.org/markup-compatibility/2006">
-        <mc:Choice xmlns:a14="http://schemas.microsoft.com/office/drawing/2010/main" Requires="a14">
+      <mc:AlternateContent xmlns:mc="http://schemas.openxmlformats.org/markup-compatibility/2006" xmlns:a14="http://schemas.microsoft.com/office/drawing/2010/main">
+        <mc:Choice Requires="a14">
           <p:sp>
             <p:nvSpPr>
               <p:cNvPr id="12" name="TextBox 11">
@@ -13212,6 +12950,7 @@
               </a:bodyPr>
               <a:lstStyle/>
               <a:p>
+                <a:pPr/>
                 <a14:m>
                   <m:oMathPara xmlns:m="http://schemas.openxmlformats.org/officeDocument/2006/math">
                     <m:oMathParaPr>
@@ -13343,7 +13082,7 @@
             </p:txBody>
           </p:sp>
         </mc:Choice>
-        <mc:Fallback>
+        <mc:Fallback xmlns="">
           <p:sp>
             <p:nvSpPr>
               <p:cNvPr id="12" name="TextBox 11">
@@ -14142,8 +13881,8 @@
           </a:prstGeom>
         </p:spPr>
       </p:pic>
-      <mc:AlternateContent xmlns:mc="http://schemas.openxmlformats.org/markup-compatibility/2006">
-        <mc:Choice xmlns:a14="http://schemas.microsoft.com/office/drawing/2010/main" Requires="a14">
+      <mc:AlternateContent xmlns:mc="http://schemas.openxmlformats.org/markup-compatibility/2006" xmlns:a14="http://schemas.microsoft.com/office/drawing/2010/main">
+        <mc:Choice Requires="a14">
           <p:sp>
             <p:nvSpPr>
               <p:cNvPr id="11" name="TextBox 10">
@@ -14172,6 +13911,7 @@
               </a:bodyPr>
               <a:lstStyle/>
               <a:p>
+                <a:pPr/>
                 <a14:m>
                   <m:oMathPara xmlns:m="http://schemas.openxmlformats.org/officeDocument/2006/math">
                     <m:oMathParaPr>
@@ -14262,7 +14002,7 @@
             </p:txBody>
           </p:sp>
         </mc:Choice>
-        <mc:Fallback>
+        <mc:Fallback xmlns="">
           <p:sp>
             <p:nvSpPr>
               <p:cNvPr id="11" name="TextBox 10">
@@ -14386,8 +14126,8 @@
           </a:p>
         </p:txBody>
       </p:sp>
-      <mc:AlternateContent xmlns:mc="http://schemas.openxmlformats.org/markup-compatibility/2006">
-        <mc:Choice xmlns:a14="http://schemas.microsoft.com/office/drawing/2010/main" Requires="a14">
+      <mc:AlternateContent xmlns:mc="http://schemas.openxmlformats.org/markup-compatibility/2006" xmlns:a14="http://schemas.microsoft.com/office/drawing/2010/main">
+        <mc:Choice Requires="a14">
           <p:sp>
             <p:nvSpPr>
               <p:cNvPr id="15" name="TextBox 14">
@@ -14416,6 +14156,7 @@
               </a:bodyPr>
               <a:lstStyle/>
               <a:p>
+                <a:pPr/>
                 <a14:m>
                   <m:oMathPara xmlns:m="http://schemas.openxmlformats.org/officeDocument/2006/math">
                     <m:oMathParaPr>
@@ -14645,7 +14386,7 @@
             </p:txBody>
           </p:sp>
         </mc:Choice>
-        <mc:Fallback>
+        <mc:Fallback xmlns="">
           <p:sp>
             <p:nvSpPr>
               <p:cNvPr id="15" name="TextBox 14">
@@ -15561,8 +15302,8 @@
           </a:prstGeom>
         </p:spPr>
       </p:pic>
-      <mc:AlternateContent xmlns:mc="http://schemas.openxmlformats.org/markup-compatibility/2006">
-        <mc:Choice xmlns:a14="http://schemas.microsoft.com/office/drawing/2010/main" Requires="a14">
+      <mc:AlternateContent xmlns:mc="http://schemas.openxmlformats.org/markup-compatibility/2006" xmlns:a14="http://schemas.microsoft.com/office/drawing/2010/main">
+        <mc:Choice Requires="a14">
           <p:sp>
             <p:nvSpPr>
               <p:cNvPr id="18" name="TextBox 17">
@@ -15591,6 +15332,7 @@
               </a:bodyPr>
               <a:lstStyle/>
               <a:p>
+                <a:pPr/>
                 <a14:m>
                   <m:oMathPara xmlns:m="http://schemas.openxmlformats.org/officeDocument/2006/math">
                     <m:oMathParaPr>
@@ -15617,7 +15359,7 @@
             </p:txBody>
           </p:sp>
         </mc:Choice>
-        <mc:Fallback>
+        <mc:Fallback xmlns="">
           <p:sp>
             <p:nvSpPr>
               <p:cNvPr id="18" name="TextBox 17">
@@ -15662,8 +15404,8 @@
           </p:sp>
         </mc:Fallback>
       </mc:AlternateContent>
-      <mc:AlternateContent xmlns:mc="http://schemas.openxmlformats.org/markup-compatibility/2006">
-        <mc:Choice xmlns:a14="http://schemas.microsoft.com/office/drawing/2010/main" Requires="a14">
+      <mc:AlternateContent xmlns:mc="http://schemas.openxmlformats.org/markup-compatibility/2006" xmlns:a14="http://schemas.microsoft.com/office/drawing/2010/main">
+        <mc:Choice Requires="a14">
           <p:sp>
             <p:nvSpPr>
               <p:cNvPr id="20" name="TextBox 19">
@@ -15692,6 +15434,7 @@
               </a:bodyPr>
               <a:lstStyle/>
               <a:p>
+                <a:pPr/>
                 <a14:m>
                   <m:oMathPara xmlns:m="http://schemas.openxmlformats.org/officeDocument/2006/math">
                     <m:oMathParaPr>
@@ -15749,7 +15492,7 @@
             </p:txBody>
           </p:sp>
         </mc:Choice>
-        <mc:Fallback>
+        <mc:Fallback xmlns="">
           <p:sp>
             <p:nvSpPr>
               <p:cNvPr id="20" name="TextBox 19">
@@ -16847,8 +16590,8 @@
           </a:prstGeom>
         </p:spPr>
       </p:pic>
-      <mc:AlternateContent xmlns:mc="http://schemas.openxmlformats.org/markup-compatibility/2006">
-        <mc:Choice xmlns:a14="http://schemas.microsoft.com/office/drawing/2010/main" Requires="a14">
+      <mc:AlternateContent xmlns:mc="http://schemas.openxmlformats.org/markup-compatibility/2006" xmlns:a14="http://schemas.microsoft.com/office/drawing/2010/main">
+        <mc:Choice Requires="a14">
           <p:sp>
             <p:nvSpPr>
               <p:cNvPr id="13" name="TextBox 12">
@@ -16877,6 +16620,7 @@
               </a:bodyPr>
               <a:lstStyle/>
               <a:p>
+                <a:pPr/>
                 <a14:m>
                   <m:oMathPara xmlns:m="http://schemas.openxmlformats.org/officeDocument/2006/math">
                     <m:oMathParaPr>
@@ -16962,7 +16706,7 @@
             </p:txBody>
           </p:sp>
         </mc:Choice>
-        <mc:Fallback>
+        <mc:Fallback xmlns="">
           <p:sp>
             <p:nvSpPr>
               <p:cNvPr id="13" name="TextBox 12">
@@ -17007,8 +16751,8 @@
           </p:sp>
         </mc:Fallback>
       </mc:AlternateContent>
-      <mc:AlternateContent xmlns:mc="http://schemas.openxmlformats.org/markup-compatibility/2006">
-        <mc:Choice xmlns:a14="http://schemas.microsoft.com/office/drawing/2010/main" Requires="a14">
+      <mc:AlternateContent xmlns:mc="http://schemas.openxmlformats.org/markup-compatibility/2006" xmlns:a14="http://schemas.microsoft.com/office/drawing/2010/main">
+        <mc:Choice Requires="a14">
           <p:sp>
             <p:nvSpPr>
               <p:cNvPr id="14" name="TextBox 13">
@@ -17037,6 +16781,7 @@
               </a:bodyPr>
               <a:lstStyle/>
               <a:p>
+                <a:pPr/>
                 <a14:m>
                   <m:oMathPara xmlns:m="http://schemas.openxmlformats.org/officeDocument/2006/math">
                     <m:oMathParaPr>
@@ -17163,7 +16908,7 @@
             </p:txBody>
           </p:sp>
         </mc:Choice>
-        <mc:Fallback>
+        <mc:Fallback xmlns="">
           <p:sp>
             <p:nvSpPr>
               <p:cNvPr id="14" name="TextBox 13">
@@ -17208,8 +16953,8 @@
           </p:sp>
         </mc:Fallback>
       </mc:AlternateContent>
-      <mc:AlternateContent xmlns:mc="http://schemas.openxmlformats.org/markup-compatibility/2006">
-        <mc:Choice xmlns:a14="http://schemas.microsoft.com/office/drawing/2010/main" Requires="a14">
+      <mc:AlternateContent xmlns:mc="http://schemas.openxmlformats.org/markup-compatibility/2006" xmlns:a14="http://schemas.microsoft.com/office/drawing/2010/main">
+        <mc:Choice Requires="a14">
           <p:sp>
             <p:nvSpPr>
               <p:cNvPr id="16" name="TextBox 15">
@@ -17238,6 +16983,7 @@
               </a:bodyPr>
               <a:lstStyle/>
               <a:p>
+                <a:pPr/>
                 <a14:m>
                   <m:oMathPara xmlns:m="http://schemas.openxmlformats.org/officeDocument/2006/math">
                     <m:oMathParaPr>
@@ -17323,7 +17069,7 @@
             </p:txBody>
           </p:sp>
         </mc:Choice>
-        <mc:Fallback>
+        <mc:Fallback xmlns="">
           <p:sp>
             <p:nvSpPr>
               <p:cNvPr id="16" name="TextBox 15">
@@ -17368,8 +17114,8 @@
           </p:sp>
         </mc:Fallback>
       </mc:AlternateContent>
-      <mc:AlternateContent xmlns:mc="http://schemas.openxmlformats.org/markup-compatibility/2006">
-        <mc:Choice xmlns:a14="http://schemas.microsoft.com/office/drawing/2010/main" Requires="a14">
+      <mc:AlternateContent xmlns:mc="http://schemas.openxmlformats.org/markup-compatibility/2006" xmlns:a14="http://schemas.microsoft.com/office/drawing/2010/main">
+        <mc:Choice Requires="a14">
           <p:sp>
             <p:nvSpPr>
               <p:cNvPr id="19" name="TextBox 18">
@@ -17398,6 +17144,7 @@
               </a:bodyPr>
               <a:lstStyle/>
               <a:p>
+                <a:pPr/>
                 <a14:m>
                   <m:oMathPara xmlns:m="http://schemas.openxmlformats.org/officeDocument/2006/math">
                     <m:oMathParaPr>
@@ -17473,7 +17220,7 @@
             </p:txBody>
           </p:sp>
         </mc:Choice>
-        <mc:Fallback>
+        <mc:Fallback xmlns="">
           <p:sp>
             <p:nvSpPr>
               <p:cNvPr id="19" name="TextBox 18">
@@ -17562,8 +17309,8 @@
           </a:fontRef>
         </p:style>
       </p:cxnSp>
-      <mc:AlternateContent xmlns:mc="http://schemas.openxmlformats.org/markup-compatibility/2006">
-        <mc:Choice xmlns:a14="http://schemas.microsoft.com/office/drawing/2010/main" Requires="a14">
+      <mc:AlternateContent xmlns:mc="http://schemas.openxmlformats.org/markup-compatibility/2006" xmlns:a14="http://schemas.microsoft.com/office/drawing/2010/main">
+        <mc:Choice Requires="a14">
           <p:sp>
             <p:nvSpPr>
               <p:cNvPr id="23" name="TextBox 22">
@@ -17592,6 +17339,7 @@
               </a:bodyPr>
               <a:lstStyle/>
               <a:p>
+                <a:pPr/>
                 <a14:m>
                   <m:oMathPara xmlns:m="http://schemas.openxmlformats.org/officeDocument/2006/math">
                     <m:oMathParaPr>
@@ -17649,7 +17397,7 @@
             </p:txBody>
           </p:sp>
         </mc:Choice>
-        <mc:Fallback>
+        <mc:Fallback xmlns="">
           <p:sp>
             <p:nvSpPr>
               <p:cNvPr id="23" name="TextBox 22">
@@ -19262,8 +19010,8 @@
           </a:prstGeom>
         </p:spPr>
       </p:pic>
-      <mc:AlternateContent xmlns:mc="http://schemas.openxmlformats.org/markup-compatibility/2006">
-        <mc:Choice xmlns:a14="http://schemas.microsoft.com/office/drawing/2010/main" Requires="a14">
+      <mc:AlternateContent xmlns:mc="http://schemas.openxmlformats.org/markup-compatibility/2006" xmlns:a14="http://schemas.microsoft.com/office/drawing/2010/main">
+        <mc:Choice Requires="a14">
           <p:sp>
             <p:nvSpPr>
               <p:cNvPr id="11" name="TextBox 10">
@@ -19292,6 +19040,7 @@
               </a:bodyPr>
               <a:lstStyle/>
               <a:p>
+                <a:pPr/>
                 <a14:m>
                   <m:oMathPara xmlns:m="http://schemas.openxmlformats.org/officeDocument/2006/math">
                     <m:oMathParaPr>
@@ -19376,7 +19125,7 @@
             </p:txBody>
           </p:sp>
         </mc:Choice>
-        <mc:Fallback>
+        <mc:Fallback xmlns="">
           <p:sp>
             <p:nvSpPr>
               <p:cNvPr id="11" name="TextBox 10">
@@ -20209,8 +19958,8 @@
           </a:prstGeom>
         </p:spPr>
       </p:pic>
-      <mc:AlternateContent xmlns:mc="http://schemas.openxmlformats.org/markup-compatibility/2006">
-        <mc:Choice xmlns:a14="http://schemas.microsoft.com/office/drawing/2010/main" Requires="a14">
+      <mc:AlternateContent xmlns:mc="http://schemas.openxmlformats.org/markup-compatibility/2006" xmlns:a14="http://schemas.microsoft.com/office/drawing/2010/main">
+        <mc:Choice Requires="a14">
           <p:sp>
             <p:nvSpPr>
               <p:cNvPr id="12" name="TextBox 11">
@@ -20239,6 +19988,7 @@
               </a:bodyPr>
               <a:lstStyle/>
               <a:p>
+                <a:pPr/>
                 <a14:m>
                   <m:oMathPara xmlns:m="http://schemas.openxmlformats.org/officeDocument/2006/math">
                     <m:oMathParaPr>
@@ -20355,7 +20105,7 @@
             </p:txBody>
           </p:sp>
         </mc:Choice>
-        <mc:Fallback>
+        <mc:Fallback xmlns="">
           <p:sp>
             <p:nvSpPr>
               <p:cNvPr id="12" name="TextBox 11">

--- a/Slides/Football 7/Footballl_7_Lecture.pptx
+++ b/Slides/Football 7/Footballl_7_Lecture.pptx
@@ -223,7 +223,7 @@
           <a:p>
             <a:fld id="{C04E5E84-956F-4423-97B3-5936A6D8EEEE}" type="datetimeFigureOut">
               <a:rPr lang="en-US" smtClean="0"/>
-              <a:t>4/16/2021</a:t>
+              <a:t>4/19/2021</a:t>
             </a:fld>
             <a:endParaRPr lang="en-US"/>
           </a:p>
@@ -675,7 +675,7 @@
           <a:p>
             <a:fld id="{3881C039-66A3-4640-815B-3B5A8B7D868D}" type="datetimeFigureOut">
               <a:rPr lang="en-US" smtClean="0"/>
-              <a:t>4/16/2021</a:t>
+              <a:t>4/19/2021</a:t>
             </a:fld>
             <a:endParaRPr lang="en-US"/>
           </a:p>
@@ -973,7 +973,7 @@
           <a:p>
             <a:fld id="{3881C039-66A3-4640-815B-3B5A8B7D868D}" type="datetimeFigureOut">
               <a:rPr lang="en-US" smtClean="0"/>
-              <a:t>4/16/2021</a:t>
+              <a:t>4/19/2021</a:t>
             </a:fld>
             <a:endParaRPr lang="en-US"/>
           </a:p>
@@ -1165,7 +1165,7 @@
           <a:p>
             <a:fld id="{3881C039-66A3-4640-815B-3B5A8B7D868D}" type="datetimeFigureOut">
               <a:rPr lang="en-US" smtClean="0"/>
-              <a:t>4/16/2021</a:t>
+              <a:t>4/19/2021</a:t>
             </a:fld>
             <a:endParaRPr lang="en-US"/>
           </a:p>
@@ -1426,7 +1426,7 @@
           <a:p>
             <a:fld id="{3881C039-66A3-4640-815B-3B5A8B7D868D}" type="datetimeFigureOut">
               <a:rPr lang="en-US" smtClean="0"/>
-              <a:t>4/16/2021</a:t>
+              <a:t>4/19/2021</a:t>
             </a:fld>
             <a:endParaRPr lang="en-US"/>
           </a:p>
@@ -1850,7 +1850,7 @@
           <a:p>
             <a:fld id="{3881C039-66A3-4640-815B-3B5A8B7D868D}" type="datetimeFigureOut">
               <a:rPr lang="en-US" smtClean="0"/>
-              <a:t>4/16/2021</a:t>
+              <a:t>4/19/2021</a:t>
             </a:fld>
             <a:endParaRPr lang="en-US"/>
           </a:p>
@@ -2387,7 +2387,7 @@
           <a:p>
             <a:fld id="{3881C039-66A3-4640-815B-3B5A8B7D868D}" type="datetimeFigureOut">
               <a:rPr lang="en-US" smtClean="0"/>
-              <a:t>4/16/2021</a:t>
+              <a:t>4/19/2021</a:t>
             </a:fld>
             <a:endParaRPr lang="en-US"/>
           </a:p>
@@ -3251,7 +3251,7 @@
           <a:p>
             <a:fld id="{3881C039-66A3-4640-815B-3B5A8B7D868D}" type="datetimeFigureOut">
               <a:rPr lang="en-US" smtClean="0"/>
-              <a:t>4/16/2021</a:t>
+              <a:t>4/19/2021</a:t>
             </a:fld>
             <a:endParaRPr lang="en-US"/>
           </a:p>
@@ -3421,7 +3421,7 @@
           <a:p>
             <a:fld id="{3881C039-66A3-4640-815B-3B5A8B7D868D}" type="datetimeFigureOut">
               <a:rPr lang="en-US" smtClean="0"/>
-              <a:t>4/16/2021</a:t>
+              <a:t>4/19/2021</a:t>
             </a:fld>
             <a:endParaRPr lang="en-US"/>
           </a:p>
@@ -3605,7 +3605,7 @@
           <a:p>
             <a:fld id="{3881C039-66A3-4640-815B-3B5A8B7D868D}" type="datetimeFigureOut">
               <a:rPr lang="en-US" smtClean="0"/>
-              <a:t>4/16/2021</a:t>
+              <a:t>4/19/2021</a:t>
             </a:fld>
             <a:endParaRPr lang="en-US"/>
           </a:p>
@@ -3775,7 +3775,7 @@
           <a:p>
             <a:fld id="{3881C039-66A3-4640-815B-3B5A8B7D868D}" type="datetimeFigureOut">
               <a:rPr lang="en-US" smtClean="0"/>
-              <a:t>4/16/2021</a:t>
+              <a:t>4/19/2021</a:t>
             </a:fld>
             <a:endParaRPr lang="en-US"/>
           </a:p>
@@ -4019,7 +4019,7 @@
           <a:p>
             <a:fld id="{3881C039-66A3-4640-815B-3B5A8B7D868D}" type="datetimeFigureOut">
               <a:rPr lang="en-US" smtClean="0"/>
-              <a:t>4/16/2021</a:t>
+              <a:t>4/19/2021</a:t>
             </a:fld>
             <a:endParaRPr lang="en-US"/>
           </a:p>
@@ -4255,7 +4255,7 @@
           <a:p>
             <a:fld id="{3881C039-66A3-4640-815B-3B5A8B7D868D}" type="datetimeFigureOut">
               <a:rPr lang="en-US" smtClean="0"/>
-              <a:t>4/16/2021</a:t>
+              <a:t>4/19/2021</a:t>
             </a:fld>
             <a:endParaRPr lang="en-US"/>
           </a:p>
@@ -4721,7 +4721,7 @@
           <a:p>
             <a:fld id="{3881C039-66A3-4640-815B-3B5A8B7D868D}" type="datetimeFigureOut">
               <a:rPr lang="en-US" smtClean="0"/>
-              <a:t>4/16/2021</a:t>
+              <a:t>4/19/2021</a:t>
             </a:fld>
             <a:endParaRPr lang="en-US"/>
           </a:p>
@@ -4839,7 +4839,7 @@
           <a:p>
             <a:fld id="{3881C039-66A3-4640-815B-3B5A8B7D868D}" type="datetimeFigureOut">
               <a:rPr lang="en-US" smtClean="0"/>
-              <a:t>4/16/2021</a:t>
+              <a:t>4/19/2021</a:t>
             </a:fld>
             <a:endParaRPr lang="en-US"/>
           </a:p>
@@ -4934,7 +4934,7 @@
           <a:p>
             <a:fld id="{3881C039-66A3-4640-815B-3B5A8B7D868D}" type="datetimeFigureOut">
               <a:rPr lang="en-US" smtClean="0"/>
-              <a:t>4/16/2021</a:t>
+              <a:t>4/19/2021</a:t>
             </a:fld>
             <a:endParaRPr lang="en-US"/>
           </a:p>
@@ -5189,7 +5189,7 @@
           <a:p>
             <a:fld id="{3881C039-66A3-4640-815B-3B5A8B7D868D}" type="datetimeFigureOut">
               <a:rPr lang="en-US" smtClean="0"/>
-              <a:t>4/16/2021</a:t>
+              <a:t>4/19/2021</a:t>
             </a:fld>
             <a:endParaRPr lang="en-US"/>
           </a:p>
@@ -5489,7 +5489,7 @@
           <a:p>
             <a:fld id="{3881C039-66A3-4640-815B-3B5A8B7D868D}" type="datetimeFigureOut">
               <a:rPr lang="en-US" smtClean="0"/>
-              <a:t>4/16/2021</a:t>
+              <a:t>4/19/2021</a:t>
             </a:fld>
             <a:endParaRPr lang="en-US"/>
           </a:p>
@@ -5723,7 +5723,7 @@
           <a:p>
             <a:fld id="{3881C039-66A3-4640-815B-3B5A8B7D868D}" type="datetimeFigureOut">
               <a:rPr lang="en-US" smtClean="0"/>
-              <a:t>4/16/2021</a:t>
+              <a:t>4/19/2021</a:t>
             </a:fld>
             <a:endParaRPr lang="en-US"/>
           </a:p>
@@ -8643,7 +8643,62 @@
                 <a:effectLst/>
                 <a:latin typeface="Selawik Semibold" panose="020B0702040204020203" pitchFamily="34" charset="0"/>
               </a:rPr>
-              <a:t>When Would a Slower Runner Be Better Than Faster Runner?</a:t>
+              <a:t>Book States This Implies That Faster Runners Perform More Poorly Than   		  Slower Runners</a:t>
+            </a:r>
+          </a:p>
+          <a:p>
+            <a:pPr marL="377100" lvl="1" indent="0">
+              <a:spcBef>
+                <a:spcPts val="0"/>
+              </a:spcBef>
+              <a:spcAft>
+                <a:spcPts val="0"/>
+              </a:spcAft>
+              <a:buClr>
+                <a:srgbClr val="D34817"/>
+              </a:buClr>
+              <a:buSzPct val="100000"/>
+              <a:buFont typeface="Wingdings" panose="05000000000000000000" pitchFamily="2" charset="2"/>
+              <a:buChar char="v"/>
+            </a:pPr>
+            <a:r>
+              <a:rPr lang="en-US" sz="2000" dirty="0">
+                <a:solidFill>
+                  <a:schemeClr val="bg2">
+                    <a:lumMod val="10000"/>
+                    <a:lumOff val="90000"/>
+                  </a:schemeClr>
+                </a:solidFill>
+                <a:effectLst/>
+                <a:latin typeface="Selawik Semibold" panose="020B0702040204020203" pitchFamily="34" charset="0"/>
+              </a:rPr>
+              <a:t>Does this </a:t>
+            </a:r>
+            <a:r>
+              <a:rPr lang="en-US" sz="2000">
+                <a:solidFill>
+                  <a:schemeClr val="bg2">
+                    <a:lumMod val="10000"/>
+                    <a:lumOff val="90000"/>
+                  </a:schemeClr>
+                </a:solidFill>
+                <a:effectLst/>
+                <a:latin typeface="Selawik Semibold" panose="020B0702040204020203" pitchFamily="34" charset="0"/>
+              </a:rPr>
+              <a:t>make sense</a:t>
+            </a:r>
+            <a:r>
+              <a:rPr lang="en-US" sz="2000" dirty="0">
+                <a:solidFill>
+                  <a:schemeClr val="bg2">
+                    <a:lumMod val="10000"/>
+                    <a:lumOff val="90000"/>
+                  </a:schemeClr>
+                </a:solidFill>
+                <a:effectLst/>
+                <a:latin typeface="Selawik Semibold" panose="020B0702040204020203" pitchFamily="34" charset="0"/>
+              </a:rPr>
+              <a:t>?</a:t>
             </a:r>
           </a:p>
         </p:txBody>
